--- a/Offline/Marketing/MarketingArtworks/pptx/Old/A4By2-Flyers.pptx
+++ b/Offline/Marketing/MarketingArtworks/pptx/Old/A4By2-Flyers.pptx
@@ -248,7 +248,7 @@
           <a:p>
             <a:fld id="{240B43DF-5001-49BC-B8A5-B80D4E10B39A}" type="datetimeFigureOut">
               <a:rPr lang="en-US" smtClean="0"/>
-              <a:t>7/28/2023</a:t>
+              <a:t>8/10/2023</a:t>
             </a:fld>
             <a:endParaRPr lang="en-US"/>
           </a:p>
@@ -418,7 +418,7 @@
           <a:p>
             <a:fld id="{240B43DF-5001-49BC-B8A5-B80D4E10B39A}" type="datetimeFigureOut">
               <a:rPr lang="en-US" smtClean="0"/>
-              <a:t>7/28/2023</a:t>
+              <a:t>8/10/2023</a:t>
             </a:fld>
             <a:endParaRPr lang="en-US"/>
           </a:p>
@@ -598,7 +598,7 @@
           <a:p>
             <a:fld id="{240B43DF-5001-49BC-B8A5-B80D4E10B39A}" type="datetimeFigureOut">
               <a:rPr lang="en-US" smtClean="0"/>
-              <a:t>7/28/2023</a:t>
+              <a:t>8/10/2023</a:t>
             </a:fld>
             <a:endParaRPr lang="en-US"/>
           </a:p>
@@ -768,7 +768,7 @@
           <a:p>
             <a:fld id="{240B43DF-5001-49BC-B8A5-B80D4E10B39A}" type="datetimeFigureOut">
               <a:rPr lang="en-US" smtClean="0"/>
-              <a:t>7/28/2023</a:t>
+              <a:t>8/10/2023</a:t>
             </a:fld>
             <a:endParaRPr lang="en-US"/>
           </a:p>
@@ -1012,7 +1012,7 @@
           <a:p>
             <a:fld id="{240B43DF-5001-49BC-B8A5-B80D4E10B39A}" type="datetimeFigureOut">
               <a:rPr lang="en-US" smtClean="0"/>
-              <a:t>7/28/2023</a:t>
+              <a:t>8/10/2023</a:t>
             </a:fld>
             <a:endParaRPr lang="en-US"/>
           </a:p>
@@ -1244,7 +1244,7 @@
           <a:p>
             <a:fld id="{240B43DF-5001-49BC-B8A5-B80D4E10B39A}" type="datetimeFigureOut">
               <a:rPr lang="en-US" smtClean="0"/>
-              <a:t>7/28/2023</a:t>
+              <a:t>8/10/2023</a:t>
             </a:fld>
             <a:endParaRPr lang="en-US"/>
           </a:p>
@@ -1611,7 +1611,7 @@
           <a:p>
             <a:fld id="{240B43DF-5001-49BC-B8A5-B80D4E10B39A}" type="datetimeFigureOut">
               <a:rPr lang="en-US" smtClean="0"/>
-              <a:t>7/28/2023</a:t>
+              <a:t>8/10/2023</a:t>
             </a:fld>
             <a:endParaRPr lang="en-US"/>
           </a:p>
@@ -1729,7 +1729,7 @@
           <a:p>
             <a:fld id="{240B43DF-5001-49BC-B8A5-B80D4E10B39A}" type="datetimeFigureOut">
               <a:rPr lang="en-US" smtClean="0"/>
-              <a:t>7/28/2023</a:t>
+              <a:t>8/10/2023</a:t>
             </a:fld>
             <a:endParaRPr lang="en-US"/>
           </a:p>
@@ -1824,7 +1824,7 @@
           <a:p>
             <a:fld id="{240B43DF-5001-49BC-B8A5-B80D4E10B39A}" type="datetimeFigureOut">
               <a:rPr lang="en-US" smtClean="0"/>
-              <a:t>7/28/2023</a:t>
+              <a:t>8/10/2023</a:t>
             </a:fld>
             <a:endParaRPr lang="en-US"/>
           </a:p>
@@ -2101,7 +2101,7 @@
           <a:p>
             <a:fld id="{240B43DF-5001-49BC-B8A5-B80D4E10B39A}" type="datetimeFigureOut">
               <a:rPr lang="en-US" smtClean="0"/>
-              <a:t>7/28/2023</a:t>
+              <a:t>8/10/2023</a:t>
             </a:fld>
             <a:endParaRPr lang="en-US"/>
           </a:p>
@@ -2358,7 +2358,7 @@
           <a:p>
             <a:fld id="{240B43DF-5001-49BC-B8A5-B80D4E10B39A}" type="datetimeFigureOut">
               <a:rPr lang="en-US" smtClean="0"/>
-              <a:t>7/28/2023</a:t>
+              <a:t>8/10/2023</a:t>
             </a:fld>
             <a:endParaRPr lang="en-US"/>
           </a:p>
@@ -2571,7 +2571,7 @@
           <a:p>
             <a:fld id="{240B43DF-5001-49BC-B8A5-B80D4E10B39A}" type="datetimeFigureOut">
               <a:rPr lang="en-US" smtClean="0"/>
-              <a:t>7/28/2023</a:t>
+              <a:t>8/10/2023</a:t>
             </a:fld>
             <a:endParaRPr lang="en-US"/>
           </a:p>
